--- a/launcher/src/main/assets/doc/应用框架/关系图.pptx
+++ b/launcher/src/main/assets/doc/应用框架/关系图.pptx
@@ -243,7 +243,7 @@
           <a:p>
             <a:fld id="{BA845F05-BE1F-429A-8D10-458CA50E4466}" type="datetimeFigureOut">
               <a:rPr lang="zh-CN" altLang="en-US" smtClean="0"/>
-              <a:t>2019/4/18</a:t>
+              <a:t>2019/6/10</a:t>
             </a:fld>
             <a:endParaRPr lang="zh-CN" altLang="en-US"/>
           </a:p>
@@ -413,7 +413,7 @@
           <a:p>
             <a:fld id="{BA845F05-BE1F-429A-8D10-458CA50E4466}" type="datetimeFigureOut">
               <a:rPr lang="zh-CN" altLang="en-US" smtClean="0"/>
-              <a:t>2019/4/18</a:t>
+              <a:t>2019/6/10</a:t>
             </a:fld>
             <a:endParaRPr lang="zh-CN" altLang="en-US"/>
           </a:p>
@@ -593,7 +593,7 @@
           <a:p>
             <a:fld id="{BA845F05-BE1F-429A-8D10-458CA50E4466}" type="datetimeFigureOut">
               <a:rPr lang="zh-CN" altLang="en-US" smtClean="0"/>
-              <a:t>2019/4/18</a:t>
+              <a:t>2019/6/10</a:t>
             </a:fld>
             <a:endParaRPr lang="zh-CN" altLang="en-US"/>
           </a:p>
@@ -763,7 +763,7 @@
           <a:p>
             <a:fld id="{BA845F05-BE1F-429A-8D10-458CA50E4466}" type="datetimeFigureOut">
               <a:rPr lang="zh-CN" altLang="en-US" smtClean="0"/>
-              <a:t>2019/4/18</a:t>
+              <a:t>2019/6/10</a:t>
             </a:fld>
             <a:endParaRPr lang="zh-CN" altLang="en-US"/>
           </a:p>
@@ -1009,7 +1009,7 @@
           <a:p>
             <a:fld id="{BA845F05-BE1F-429A-8D10-458CA50E4466}" type="datetimeFigureOut">
               <a:rPr lang="zh-CN" altLang="en-US" smtClean="0"/>
-              <a:t>2019/4/18</a:t>
+              <a:t>2019/6/10</a:t>
             </a:fld>
             <a:endParaRPr lang="zh-CN" altLang="en-US"/>
           </a:p>
@@ -1241,7 +1241,7 @@
           <a:p>
             <a:fld id="{BA845F05-BE1F-429A-8D10-458CA50E4466}" type="datetimeFigureOut">
               <a:rPr lang="zh-CN" altLang="en-US" smtClean="0"/>
-              <a:t>2019/4/18</a:t>
+              <a:t>2019/6/10</a:t>
             </a:fld>
             <a:endParaRPr lang="zh-CN" altLang="en-US"/>
           </a:p>
@@ -1608,7 +1608,7 @@
           <a:p>
             <a:fld id="{BA845F05-BE1F-429A-8D10-458CA50E4466}" type="datetimeFigureOut">
               <a:rPr lang="zh-CN" altLang="en-US" smtClean="0"/>
-              <a:t>2019/4/18</a:t>
+              <a:t>2019/6/10</a:t>
             </a:fld>
             <a:endParaRPr lang="zh-CN" altLang="en-US"/>
           </a:p>
@@ -1726,7 +1726,7 @@
           <a:p>
             <a:fld id="{BA845F05-BE1F-429A-8D10-458CA50E4466}" type="datetimeFigureOut">
               <a:rPr lang="zh-CN" altLang="en-US" smtClean="0"/>
-              <a:t>2019/4/18</a:t>
+              <a:t>2019/6/10</a:t>
             </a:fld>
             <a:endParaRPr lang="zh-CN" altLang="en-US"/>
           </a:p>
@@ -1821,7 +1821,7 @@
           <a:p>
             <a:fld id="{BA845F05-BE1F-429A-8D10-458CA50E4466}" type="datetimeFigureOut">
               <a:rPr lang="zh-CN" altLang="en-US" smtClean="0"/>
-              <a:t>2019/4/18</a:t>
+              <a:t>2019/6/10</a:t>
             </a:fld>
             <a:endParaRPr lang="zh-CN" altLang="en-US"/>
           </a:p>
@@ -2098,7 +2098,7 @@
           <a:p>
             <a:fld id="{BA845F05-BE1F-429A-8D10-458CA50E4466}" type="datetimeFigureOut">
               <a:rPr lang="zh-CN" altLang="en-US" smtClean="0"/>
-              <a:t>2019/4/18</a:t>
+              <a:t>2019/6/10</a:t>
             </a:fld>
             <a:endParaRPr lang="zh-CN" altLang="en-US"/>
           </a:p>
@@ -2351,7 +2351,7 @@
           <a:p>
             <a:fld id="{BA845F05-BE1F-429A-8D10-458CA50E4466}" type="datetimeFigureOut">
               <a:rPr lang="zh-CN" altLang="en-US" smtClean="0"/>
-              <a:t>2019/4/18</a:t>
+              <a:t>2019/6/10</a:t>
             </a:fld>
             <a:endParaRPr lang="zh-CN" altLang="en-US"/>
           </a:p>
@@ -2564,7 +2564,7 @@
           <a:p>
             <a:fld id="{BA845F05-BE1F-429A-8D10-458CA50E4466}" type="datetimeFigureOut">
               <a:rPr lang="zh-CN" altLang="en-US" smtClean="0"/>
-              <a:t>2019/4/18</a:t>
+              <a:t>2019/6/10</a:t>
             </a:fld>
             <a:endParaRPr lang="zh-CN" altLang="en-US"/>
           </a:p>
@@ -2978,7 +2978,7 @@
         <p:spPr>
           <a:xfrm>
             <a:off x="2578446" y="3053823"/>
-            <a:ext cx="1478694" cy="2407863"/>
+            <a:ext cx="1478694" cy="2729139"/>
           </a:xfrm>
           <a:prstGeom prst="rect">
             <a:avLst/>
@@ -3013,7 +3013,7 @@
           <a:lstStyle/>
           <a:p>
             <a:pPr algn="ctr"/>
-            <a:endParaRPr lang="zh-CN" altLang="en-US"/>
+            <a:endParaRPr lang="zh-CN" altLang="en-US" dirty="0"/>
           </a:p>
         </p:txBody>
       </p:sp>
@@ -3069,8 +3069,8 @@
         </p:nvSpPr>
         <p:spPr>
           <a:xfrm>
-            <a:off x="2661331" y="3216850"/>
-            <a:ext cx="1346332" cy="492223"/>
+            <a:off x="2634593" y="4406378"/>
+            <a:ext cx="1346332" cy="397140"/>
           </a:xfrm>
           <a:prstGeom prst="rect">
             <a:avLst/>
@@ -3105,10 +3105,9 @@
               <a:t>自定义</a:t>
             </a:r>
             <a:r>
-              <a:rPr lang="en-US" altLang="zh-CN" dirty="0" smtClean="0"/>
-              <a:t>View</a:t>
-            </a:r>
-            <a:endParaRPr lang="zh-CN" altLang="en-US" dirty="0"/>
+              <a:rPr lang="zh-CN" altLang="en-US" dirty="0"/>
+              <a:t>控件</a:t>
+            </a:r>
           </a:p>
         </p:txBody>
       </p:sp>
@@ -3382,8 +3381,8 @@
         </p:nvSpPr>
         <p:spPr>
           <a:xfrm>
-            <a:off x="2657967" y="3779096"/>
-            <a:ext cx="1346332" cy="472313"/>
+            <a:off x="2634593" y="4858772"/>
+            <a:ext cx="1346332" cy="412806"/>
           </a:xfrm>
           <a:prstGeom prst="rect">
             <a:avLst/>
@@ -3415,7 +3414,7 @@
             <a:pPr algn="ctr"/>
             <a:r>
               <a:rPr lang="zh-CN" altLang="en-US" dirty="0" smtClean="0"/>
-              <a:t>事件消息</a:t>
+              <a:t>事件机制</a:t>
             </a:r>
             <a:endParaRPr lang="zh-CN" altLang="en-US" dirty="0"/>
           </a:p>
@@ -3609,7 +3608,7 @@
             <a:pPr algn="ctr"/>
             <a:r>
               <a:rPr lang="zh-CN" altLang="en-US" dirty="0" smtClean="0"/>
-              <a:t>不同客服的设计图</a:t>
+              <a:t>不同客户的设计图</a:t>
             </a:r>
             <a:endParaRPr lang="zh-CN" altLang="en-US" dirty="0"/>
           </a:p>
@@ -4065,8 +4064,8 @@
         </p:nvSpPr>
         <p:spPr>
           <a:xfrm>
-            <a:off x="2659918" y="4329302"/>
-            <a:ext cx="1346332" cy="472313"/>
+            <a:off x="2644471" y="3534374"/>
+            <a:ext cx="1346332" cy="384649"/>
           </a:xfrm>
           <a:prstGeom prst="rect">
             <a:avLst/>
@@ -4098,7 +4097,7 @@
             <a:pPr algn="ctr"/>
             <a:r>
               <a:rPr lang="zh-CN" altLang="en-US" dirty="0" smtClean="0"/>
-              <a:t>图片管理</a:t>
+              <a:t>缓存模块</a:t>
             </a:r>
             <a:endParaRPr lang="zh-CN" altLang="en-US" dirty="0"/>
           </a:p>
@@ -4112,8 +4111,8 @@
         </p:nvSpPr>
         <p:spPr>
           <a:xfrm>
-            <a:off x="2653093" y="4865800"/>
-            <a:ext cx="1346332" cy="472313"/>
+            <a:off x="2645017" y="3109194"/>
+            <a:ext cx="1346332" cy="376374"/>
           </a:xfrm>
           <a:prstGeom prst="rect">
             <a:avLst/>
@@ -4145,7 +4144,107 @@
             <a:pPr algn="ctr"/>
             <a:r>
               <a:rPr lang="zh-CN" altLang="en-US" dirty="0" smtClean="0"/>
-              <a:t>下载管理</a:t>
+              <a:t>下载</a:t>
+            </a:r>
+            <a:r>
+              <a:rPr lang="zh-CN" altLang="en-US" dirty="0"/>
+              <a:t>模块</a:t>
+            </a:r>
+          </a:p>
+        </p:txBody>
+      </p:sp>
+      <p:sp>
+        <p:nvSpPr>
+          <p:cNvPr id="3" name="文本框 2"/>
+          <p:cNvSpPr txBox="1"/>
+          <p:nvPr/>
+        </p:nvSpPr>
+        <p:spPr>
+          <a:xfrm>
+            <a:off x="2634593" y="5351159"/>
+            <a:ext cx="1456708" cy="369332"/>
+          </a:xfrm>
+          <a:prstGeom prst="rect">
+            <a:avLst/>
+          </a:prstGeom>
+          <a:noFill/>
+        </p:spPr>
+        <p:txBody>
+          <a:bodyPr wrap="square" rtlCol="0">
+            <a:spAutoFit/>
+          </a:bodyPr>
+          <a:lstStyle/>
+          <a:p>
+            <a:r>
+              <a:rPr lang="en-US" altLang="zh-CN" dirty="0" smtClean="0">
+                <a:solidFill>
+                  <a:schemeClr val="bg1"/>
+                </a:solidFill>
+              </a:rPr>
+              <a:t>Android</a:t>
+            </a:r>
+            <a:r>
+              <a:rPr lang="zh-CN" altLang="en-US" dirty="0" smtClean="0">
+                <a:solidFill>
+                  <a:schemeClr val="bg1"/>
+                </a:solidFill>
+              </a:rPr>
+              <a:t>模块</a:t>
+            </a:r>
+            <a:endParaRPr lang="zh-CN" altLang="en-US" dirty="0">
+              <a:solidFill>
+                <a:schemeClr val="bg1"/>
+              </a:solidFill>
+            </a:endParaRPr>
+          </a:p>
+        </p:txBody>
+      </p:sp>
+      <p:sp>
+        <p:nvSpPr>
+          <p:cNvPr id="35" name="矩形 34"/>
+          <p:cNvSpPr/>
+          <p:nvPr/>
+        </p:nvSpPr>
+        <p:spPr>
+          <a:xfrm>
+            <a:off x="2641458" y="3979846"/>
+            <a:ext cx="1346332" cy="384649"/>
+          </a:xfrm>
+          <a:prstGeom prst="rect">
+            <a:avLst/>
+          </a:prstGeom>
+          <a:solidFill>
+            <a:srgbClr val="92D050"/>
+          </a:solidFill>
+        </p:spPr>
+        <p:style>
+          <a:lnRef idx="2">
+            <a:schemeClr val="accent1">
+              <a:shade val="50000"/>
+            </a:schemeClr>
+          </a:lnRef>
+          <a:fillRef idx="1">
+            <a:schemeClr val="accent1"/>
+          </a:fillRef>
+          <a:effectRef idx="0">
+            <a:schemeClr val="accent1"/>
+          </a:effectRef>
+          <a:fontRef idx="minor">
+            <a:schemeClr val="lt1"/>
+          </a:fontRef>
+        </p:style>
+        <p:txBody>
+          <a:bodyPr rtlCol="0" anchor="ctr"/>
+          <a:lstStyle/>
+          <a:p>
+            <a:pPr algn="ctr"/>
+            <a:r>
+              <a:rPr lang="en-US" altLang="zh-CN" dirty="0" smtClean="0"/>
+              <a:t>JSON</a:t>
+            </a:r>
+            <a:r>
+              <a:rPr lang="zh-CN" altLang="en-US" dirty="0" smtClean="0"/>
+              <a:t>解析</a:t>
             </a:r>
             <a:endParaRPr lang="zh-CN" altLang="en-US" dirty="0"/>
           </a:p>
